--- a/Weź to sprawdź w DEV toolsach.pptx
+++ b/Weź to sprawdź w DEV toolsach.pptx
@@ -318,6 +318,9 @@
           </p14:sldIdLst>
         </p14:section>
       </p14:sectionLst>
+    </p:ext>
+    <p:ext uri="{EFAFB233-063F-42B5-8137-9DF3F51BA10A}">
+      <p15:sldGuideLst xmlns:p15="http://schemas.microsoft.com/office/powerpoint/2012/main"/>
     </p:ext>
   </p:extLst>
 </p:presentation>
@@ -2715,7 +2718,7 @@
               </a:spcAft>
               <a:buNone/>
             </a:pPr>
-            <a:endParaRPr/>
+            <a:endParaRPr dirty="0"/>
           </a:p>
         </p:txBody>
       </p:sp>
@@ -2913,326 +2916,6 @@
             <a:noAutofit/>
           </a:bodyPr>
           <a:lstStyle/>
-          <a:p>
-            <a:pPr marL="228600" lvl="0" indent="-228600" algn="l" rtl="0">
-              <a:spcBef>
-                <a:spcPts val="0"/>
-              </a:spcBef>
-              <a:spcAft>
-                <a:spcPts val="0"/>
-              </a:spcAft>
-              <a:buAutoNum type="arabicPeriod"/>
-            </a:pPr>
-            <a:r>
-              <a:rPr lang="en-US" dirty="0" err="1"/>
-              <a:t>Pokazać</a:t>
-            </a:r>
-            <a:r>
-              <a:rPr lang="en-US" dirty="0"/>
-              <a:t> dev </a:t>
-            </a:r>
-            <a:r>
-              <a:rPr lang="en-US" dirty="0" err="1"/>
-              <a:t>toolsy</a:t>
-            </a:r>
-            <a:r>
-              <a:rPr lang="en-US" dirty="0"/>
-              <a:t>, network, application etc.</a:t>
-            </a:r>
-          </a:p>
-          <a:p>
-            <a:pPr marL="228600" lvl="0" indent="-228600" algn="l" rtl="0">
-              <a:spcBef>
-                <a:spcPts val="0"/>
-              </a:spcBef>
-              <a:spcAft>
-                <a:spcPts val="0"/>
-              </a:spcAft>
-              <a:buAutoNum type="arabicPeriod"/>
-            </a:pPr>
-            <a:r>
-              <a:rPr lang="en-US" dirty="0" err="1"/>
-              <a:t>Pkazać</a:t>
-            </a:r>
-            <a:r>
-              <a:rPr lang="en-US" dirty="0"/>
-              <a:t> Rendering I </a:t>
-            </a:r>
-            <a:r>
-              <a:rPr lang="en-US" dirty="0" err="1"/>
-              <a:t>opcje</a:t>
-            </a:r>
-            <a:r>
-              <a:rPr lang="en-US" dirty="0"/>
-              <a:t> </a:t>
-            </a:r>
-            <a:r>
-              <a:rPr lang="en-US" dirty="0" err="1"/>
-              <a:t>dla</a:t>
-            </a:r>
-            <a:r>
-              <a:rPr lang="en-US" dirty="0"/>
-              <a:t> </a:t>
-            </a:r>
-            <a:r>
-              <a:rPr lang="en-US" dirty="0" err="1"/>
-              <a:t>daltonistów</a:t>
-            </a:r>
-            <a:r>
-              <a:rPr lang="en-US" dirty="0"/>
-              <a:t>, </a:t>
-            </a:r>
-            <a:r>
-              <a:rPr lang="en-US" dirty="0" err="1"/>
-              <a:t>Pokazać</a:t>
-            </a:r>
-            <a:r>
-              <a:rPr lang="en-US" dirty="0"/>
-              <a:t> CSS overview i </a:t>
-            </a:r>
-            <a:r>
-              <a:rPr lang="en-US" dirty="0" err="1"/>
-              <a:t>zwrócić</a:t>
-            </a:r>
-            <a:r>
-              <a:rPr lang="en-US" dirty="0"/>
-              <a:t> </a:t>
-            </a:r>
-            <a:r>
-              <a:rPr lang="en-US" dirty="0" err="1"/>
-              <a:t>uwagę</a:t>
-            </a:r>
-            <a:r>
-              <a:rPr lang="en-US" dirty="0"/>
-              <a:t> </a:t>
-            </a:r>
-            <a:r>
-              <a:rPr lang="en-US" dirty="0" err="1"/>
-              <a:t>na</a:t>
-            </a:r>
-            <a:r>
-              <a:rPr lang="en-US" dirty="0"/>
-              <a:t> </a:t>
-            </a:r>
-            <a:r>
-              <a:rPr lang="en-US" dirty="0" err="1"/>
-              <a:t>problemy</a:t>
-            </a:r>
-            <a:r>
-              <a:rPr lang="en-US" dirty="0"/>
-              <a:t> z </a:t>
-            </a:r>
-            <a:r>
-              <a:rPr lang="en-US" dirty="0" err="1"/>
-              <a:t>kontrastem</a:t>
-            </a:r>
-            <a:r>
-              <a:rPr lang="en-US" dirty="0"/>
-              <a:t>, </a:t>
-            </a:r>
-            <a:r>
-              <a:rPr lang="en-US" dirty="0" err="1"/>
-              <a:t>pokazać</a:t>
-            </a:r>
-            <a:r>
-              <a:rPr lang="en-US" dirty="0"/>
-              <a:t> jak </a:t>
-            </a:r>
-            <a:r>
-              <a:rPr lang="en-US" dirty="0" err="1"/>
-              <a:t>dobierać</a:t>
-            </a:r>
-            <a:r>
-              <a:rPr lang="en-US" dirty="0"/>
-              <a:t> </a:t>
-            </a:r>
-            <a:r>
-              <a:rPr lang="en-US" dirty="0" err="1"/>
-              <a:t>kolory</a:t>
-            </a:r>
-            <a:endParaRPr lang="en-US" dirty="0"/>
-          </a:p>
-          <a:p>
-            <a:pPr marL="228600" lvl="0" indent="-228600" algn="l" rtl="0">
-              <a:spcBef>
-                <a:spcPts val="0"/>
-              </a:spcBef>
-              <a:spcAft>
-                <a:spcPts val="0"/>
-              </a:spcAft>
-              <a:buAutoNum type="arabicPeriod"/>
-            </a:pPr>
-            <a:r>
-              <a:rPr lang="en-US" dirty="0" err="1"/>
-              <a:t>Pokazać</a:t>
-            </a:r>
-            <a:r>
-              <a:rPr lang="en-US" dirty="0"/>
-              <a:t> live edit </a:t>
-            </a:r>
-            <a:r>
-              <a:rPr lang="en-US" dirty="0" err="1"/>
-              <a:t>html’a</a:t>
-            </a:r>
-            <a:r>
-              <a:rPr lang="en-US" dirty="0"/>
-              <a:t> i </a:t>
-            </a:r>
-            <a:r>
-              <a:rPr lang="en-US" dirty="0" err="1"/>
-              <a:t>CSS’a</a:t>
-            </a:r>
-            <a:r>
-              <a:rPr lang="en-US" dirty="0"/>
-              <a:t>, </a:t>
-            </a:r>
-            <a:r>
-              <a:rPr lang="en-US" dirty="0" err="1"/>
-              <a:t>pokazać</a:t>
-            </a:r>
-            <a:r>
-              <a:rPr lang="en-US" dirty="0"/>
-              <a:t> generator </a:t>
-            </a:r>
-            <a:r>
-              <a:rPr lang="en-US" dirty="0" err="1"/>
-              <a:t>flexa</a:t>
-            </a:r>
-            <a:r>
-              <a:rPr lang="en-US" dirty="0"/>
-              <a:t> z template</a:t>
-            </a:r>
-          </a:p>
-          <a:p>
-            <a:pPr marL="228600" lvl="0" indent="-228600" algn="l" rtl="0">
-              <a:spcBef>
-                <a:spcPts val="0"/>
-              </a:spcBef>
-              <a:spcAft>
-                <a:spcPts val="0"/>
-              </a:spcAft>
-              <a:buAutoNum type="arabicPeriod"/>
-            </a:pPr>
-            <a:r>
-              <a:rPr lang="en-US" dirty="0" err="1"/>
-              <a:t>Pokazać</a:t>
-            </a:r>
-            <a:r>
-              <a:rPr lang="en-US" dirty="0"/>
-              <a:t> </a:t>
-            </a:r>
-            <a:r>
-              <a:rPr lang="en-US" dirty="0" err="1"/>
-              <a:t>opcje</a:t>
-            </a:r>
-            <a:endParaRPr lang="en-US" dirty="0"/>
-          </a:p>
-          <a:p>
-            <a:pPr marL="685800" lvl="1" indent="-228600" algn="l" rtl="0">
-              <a:spcBef>
-                <a:spcPts val="0"/>
-              </a:spcBef>
-              <a:spcAft>
-                <a:spcPts val="0"/>
-              </a:spcAft>
-              <a:buAutoNum type="arabicPeriod"/>
-            </a:pPr>
-            <a:r>
-              <a:rPr lang="en-US" dirty="0" err="1"/>
-              <a:t>Screenshoty</a:t>
-            </a:r>
-            <a:endParaRPr lang="en-US" dirty="0"/>
-          </a:p>
-          <a:p>
-            <a:pPr marL="685800" lvl="1" indent="-228600" algn="l" rtl="0">
-              <a:spcBef>
-                <a:spcPts val="0"/>
-              </a:spcBef>
-              <a:spcAft>
-                <a:spcPts val="0"/>
-              </a:spcAft>
-              <a:buAutoNum type="arabicPeriod"/>
-            </a:pPr>
-            <a:r>
-              <a:rPr lang="en-US" dirty="0" err="1"/>
-              <a:t>Nagrywanie</a:t>
-            </a:r>
-            <a:r>
-              <a:rPr lang="en-US" dirty="0"/>
-              <a:t> </a:t>
-            </a:r>
-            <a:r>
-              <a:rPr lang="en-US" dirty="0" err="1"/>
-              <a:t>kliknięć</a:t>
-            </a:r>
-            <a:r>
-              <a:rPr lang="en-US" dirty="0"/>
-              <a:t> https://coffee-cart.app/</a:t>
-            </a:r>
-          </a:p>
-          <a:p>
-            <a:pPr marL="685800" lvl="1" indent="-228600" algn="l" rtl="0">
-              <a:spcBef>
-                <a:spcPts val="0"/>
-              </a:spcBef>
-              <a:spcAft>
-                <a:spcPts val="0"/>
-              </a:spcAft>
-              <a:buAutoNum type="arabicPeriod"/>
-            </a:pPr>
-            <a:r>
-              <a:rPr lang="en-US" dirty="0" err="1"/>
-              <a:t>Eksport</a:t>
-            </a:r>
-            <a:r>
-              <a:rPr lang="en-US" dirty="0"/>
-              <a:t> </a:t>
-            </a:r>
-            <a:r>
-              <a:rPr lang="en-US" dirty="0" err="1"/>
-              <a:t>konsoli</a:t>
-            </a:r>
-            <a:endParaRPr lang="en-US" dirty="0"/>
-          </a:p>
-          <a:p>
-            <a:pPr marL="685800" lvl="1" indent="-228600" algn="l" rtl="0">
-              <a:spcBef>
-                <a:spcPts val="0"/>
-              </a:spcBef>
-              <a:spcAft>
-                <a:spcPts val="0"/>
-              </a:spcAft>
-              <a:buAutoNum type="arabicPeriod"/>
-            </a:pPr>
-            <a:r>
-              <a:rPr lang="en-US" dirty="0" err="1"/>
-              <a:t>Eksport</a:t>
-            </a:r>
-            <a:r>
-              <a:rPr lang="en-US" dirty="0"/>
-              <a:t> </a:t>
-            </a:r>
-            <a:r>
-              <a:rPr lang="en-US" dirty="0" err="1"/>
-              <a:t>requestów</a:t>
-            </a:r>
-            <a:endParaRPr lang="en-US" dirty="0"/>
-          </a:p>
-          <a:p>
-            <a:pPr marL="685800" lvl="1" indent="-228600" algn="l" rtl="0">
-              <a:spcBef>
-                <a:spcPts val="0"/>
-              </a:spcBef>
-              <a:spcAft>
-                <a:spcPts val="0"/>
-              </a:spcAft>
-              <a:buAutoNum type="arabicPeriod"/>
-            </a:pPr>
-            <a:r>
-              <a:rPr lang="en-US" dirty="0"/>
-              <a:t>Lighthouse</a:t>
-            </a:r>
-          </a:p>
           <a:p>
             <a:pPr marL="228600" lvl="0" indent="-228600" algn="l" rtl="0">
               <a:spcBef>
@@ -3639,6 +3322,28 @@
               <a:rPr lang="en-US" dirty="0"/>
               <a:t>, </a:t>
             </a:r>
+            <a:endParaRPr lang="pl-PL" dirty="0"/>
+          </a:p>
+          <a:p>
+            <a:pPr marL="0" marR="0" lvl="0" indent="0" algn="l" defTabSz="914400" rtl="0" eaLnBrk="1" fontAlgn="auto" latinLnBrk="0" hangingPunct="1">
+              <a:lnSpc>
+                <a:spcPct val="100000"/>
+              </a:lnSpc>
+              <a:spcBef>
+                <a:spcPts val="0"/>
+              </a:spcBef>
+              <a:spcAft>
+                <a:spcPts val="0"/>
+              </a:spcAft>
+              <a:buClr>
+                <a:srgbClr val="000000"/>
+              </a:buClr>
+              <a:buSzPts val="1100"/>
+              <a:buFont typeface="Arial"/>
+              <a:buNone/>
+              <a:tabLst/>
+              <a:defRPr/>
+            </a:pPr>
             <a:r>
               <a:rPr lang="en-US" dirty="0" err="1"/>
               <a:t>Pokazać</a:t>
@@ -3687,6 +3392,28 @@
               <a:rPr lang="en-US" dirty="0"/>
               <a:t>, </a:t>
             </a:r>
+            <a:endParaRPr lang="pl-PL" dirty="0"/>
+          </a:p>
+          <a:p>
+            <a:pPr marL="0" marR="0" lvl="0" indent="0" algn="l" defTabSz="914400" rtl="0" eaLnBrk="1" fontAlgn="auto" latinLnBrk="0" hangingPunct="1">
+              <a:lnSpc>
+                <a:spcPct val="100000"/>
+              </a:lnSpc>
+              <a:spcBef>
+                <a:spcPts val="0"/>
+              </a:spcBef>
+              <a:spcAft>
+                <a:spcPts val="0"/>
+              </a:spcAft>
+              <a:buClr>
+                <a:srgbClr val="000000"/>
+              </a:buClr>
+              <a:buSzPts val="1100"/>
+              <a:buFont typeface="Arial"/>
+              <a:buNone/>
+              <a:tabLst/>
+              <a:defRPr/>
+            </a:pPr>
             <a:r>
               <a:rPr lang="en-US" dirty="0" err="1"/>
               <a:t>pokazać</a:t>
@@ -3711,6 +3438,28 @@
               <a:rPr lang="en-US" dirty="0"/>
               <a:t>, </a:t>
             </a:r>
+            <a:endParaRPr lang="pl-PL" dirty="0"/>
+          </a:p>
+          <a:p>
+            <a:pPr marL="0" marR="0" lvl="0" indent="0" algn="l" defTabSz="914400" rtl="0" eaLnBrk="1" fontAlgn="auto" latinLnBrk="0" hangingPunct="1">
+              <a:lnSpc>
+                <a:spcPct val="100000"/>
+              </a:lnSpc>
+              <a:spcBef>
+                <a:spcPts val="0"/>
+              </a:spcBef>
+              <a:spcAft>
+                <a:spcPts val="0"/>
+              </a:spcAft>
+              <a:buClr>
+                <a:srgbClr val="000000"/>
+              </a:buClr>
+              <a:buSzPts val="1100"/>
+              <a:buFont typeface="Arial"/>
+              <a:buNone/>
+              <a:tabLst/>
+              <a:defRPr/>
+            </a:pPr>
             <a:r>
               <a:rPr lang="en-US" dirty="0" err="1"/>
               <a:t>pokazać</a:t>
@@ -17251,6 +17000,18 @@
   <p:clrMapOvr>
     <a:masterClrMapping/>
   </p:clrMapOvr>
+  <mc:AlternateContent xmlns:mc="http://schemas.openxmlformats.org/markup-compatibility/2006">
+    <mc:Choice xmlns:p14="http://schemas.microsoft.com/office/powerpoint/2010/main" Requires="p14">
+      <p:transition spd="med" p14:dur="700">
+        <p:fade/>
+      </p:transition>
+    </mc:Choice>
+    <mc:Fallback>
+      <p:transition spd="med">
+        <p:fade/>
+      </p:transition>
+    </mc:Fallback>
+  </mc:AlternateContent>
 </p:sld>
 </file>
 
@@ -20954,6 +20715,18 @@
   <p:clrMapOvr>
     <a:masterClrMapping/>
   </p:clrMapOvr>
+  <mc:AlternateContent xmlns:mc="http://schemas.openxmlformats.org/markup-compatibility/2006">
+    <mc:Choice xmlns:p14="http://schemas.microsoft.com/office/powerpoint/2010/main" Requires="p14">
+      <p:transition spd="med" p14:dur="700">
+        <p:fade/>
+      </p:transition>
+    </mc:Choice>
+    <mc:Fallback>
+      <p:transition spd="med">
+        <p:fade/>
+      </p:transition>
+    </mc:Fallback>
+  </mc:AlternateContent>
 </p:sld>
 </file>
 
@@ -21097,6 +20870,18 @@
   <p:clrMapOvr>
     <a:masterClrMapping/>
   </p:clrMapOvr>
+  <mc:AlternateContent xmlns:mc="http://schemas.openxmlformats.org/markup-compatibility/2006">
+    <mc:Choice xmlns:p14="http://schemas.microsoft.com/office/powerpoint/2010/main" Requires="p14">
+      <p:transition spd="med" p14:dur="700">
+        <p:fade/>
+      </p:transition>
+    </mc:Choice>
+    <mc:Fallback>
+      <p:transition spd="med">
+        <p:fade/>
+      </p:transition>
+    </mc:Fallback>
+  </mc:AlternateContent>
 </p:sld>
 </file>
 
@@ -23877,7 +23662,7 @@
         </p:nvSpPr>
         <p:spPr>
           <a:xfrm>
-            <a:off x="2286000" y="3952891"/>
+            <a:off x="2102435" y="3863400"/>
             <a:ext cx="4937710" cy="457200"/>
           </a:xfrm>
           <a:prstGeom prst="rect">
@@ -24801,6 +24586,18 @@
   <p:clrMapOvr>
     <a:masterClrMapping/>
   </p:clrMapOvr>
+  <mc:AlternateContent xmlns:mc="http://schemas.openxmlformats.org/markup-compatibility/2006">
+    <mc:Choice xmlns:p14="http://schemas.microsoft.com/office/powerpoint/2010/main" Requires="p14">
+      <p:transition spd="med" p14:dur="700">
+        <p:fade/>
+      </p:transition>
+    </mc:Choice>
+    <mc:Fallback>
+      <p:transition spd="med">
+        <p:fade/>
+      </p:transition>
+    </mc:Fallback>
+  </mc:AlternateContent>
 </p:sld>
 </file>
 
@@ -24954,6 +24751,18 @@
   <p:clrMapOvr>
     <a:masterClrMapping/>
   </p:clrMapOvr>
+  <mc:AlternateContent xmlns:mc="http://schemas.openxmlformats.org/markup-compatibility/2006">
+    <mc:Choice xmlns:p14="http://schemas.microsoft.com/office/powerpoint/2010/main" Requires="p14">
+      <p:transition spd="med" p14:dur="700">
+        <p:fade/>
+      </p:transition>
+    </mc:Choice>
+    <mc:Fallback>
+      <p:transition spd="med">
+        <p:fade/>
+      </p:transition>
+    </mc:Fallback>
+  </mc:AlternateContent>
 </p:sld>
 </file>
 
@@ -25103,6 +24912,18 @@
   <p:clrMapOvr>
     <a:masterClrMapping/>
   </p:clrMapOvr>
+  <mc:AlternateContent xmlns:mc="http://schemas.openxmlformats.org/markup-compatibility/2006">
+    <mc:Choice xmlns:p14="http://schemas.microsoft.com/office/powerpoint/2010/main" Requires="p14">
+      <p:transition spd="med" p14:dur="700">
+        <p:fade/>
+      </p:transition>
+    </mc:Choice>
+    <mc:Fallback>
+      <p:transition spd="med">
+        <p:fade/>
+      </p:transition>
+    </mc:Fallback>
+  </mc:AlternateContent>
 </p:sld>
 </file>
 
@@ -25192,6 +25013,18 @@
   <p:clrMapOvr>
     <a:masterClrMapping/>
   </p:clrMapOvr>
+  <mc:AlternateContent xmlns:mc="http://schemas.openxmlformats.org/markup-compatibility/2006">
+    <mc:Choice xmlns:p14="http://schemas.microsoft.com/office/powerpoint/2010/main" Requires="p14">
+      <p:transition spd="med" p14:dur="700">
+        <p:fade/>
+      </p:transition>
+    </mc:Choice>
+    <mc:Fallback>
+      <p:transition spd="med">
+        <p:fade/>
+      </p:transition>
+    </mc:Fallback>
+  </mc:AlternateContent>
 </p:sld>
 </file>
 
@@ -29750,6 +29583,18 @@
   <p:clrMapOvr>
     <a:masterClrMapping/>
   </p:clrMapOvr>
+  <mc:AlternateContent xmlns:mc="http://schemas.openxmlformats.org/markup-compatibility/2006">
+    <mc:Choice xmlns:p14="http://schemas.microsoft.com/office/powerpoint/2010/main" Requires="p14">
+      <p:transition spd="med" p14:dur="700">
+        <p:fade/>
+      </p:transition>
+    </mc:Choice>
+    <mc:Fallback>
+      <p:transition spd="med">
+        <p:fade/>
+      </p:transition>
+    </mc:Fallback>
+  </mc:AlternateContent>
 </p:sld>
 </file>
 
@@ -31996,6 +31841,18 @@
   <p:clrMapOvr>
     <a:masterClrMapping/>
   </p:clrMapOvr>
+  <mc:AlternateContent xmlns:mc="http://schemas.openxmlformats.org/markup-compatibility/2006">
+    <mc:Choice xmlns:p14="http://schemas.microsoft.com/office/powerpoint/2010/main" Requires="p14">
+      <p:transition spd="med" p14:dur="700">
+        <p:fade/>
+      </p:transition>
+    </mc:Choice>
+    <mc:Fallback>
+      <p:transition spd="med">
+        <p:fade/>
+      </p:transition>
+    </mc:Fallback>
+  </mc:AlternateContent>
 </p:sld>
 </file>
 
@@ -33695,6 +33552,18 @@
   <p:clrMapOvr>
     <a:masterClrMapping/>
   </p:clrMapOvr>
+  <mc:AlternateContent xmlns:mc="http://schemas.openxmlformats.org/markup-compatibility/2006">
+    <mc:Choice xmlns:p14="http://schemas.microsoft.com/office/powerpoint/2010/main" Requires="p14">
+      <p:transition spd="med" p14:dur="700">
+        <p:fade/>
+      </p:transition>
+    </mc:Choice>
+    <mc:Fallback>
+      <p:transition spd="med">
+        <p:fade/>
+      </p:transition>
+    </mc:Fallback>
+  </mc:AlternateContent>
 </p:sld>
 </file>
 
@@ -37397,6 +37266,18 @@
   <p:clrMapOvr>
     <a:masterClrMapping/>
   </p:clrMapOvr>
+  <mc:AlternateContent xmlns:mc="http://schemas.openxmlformats.org/markup-compatibility/2006">
+    <mc:Choice xmlns:p14="http://schemas.microsoft.com/office/powerpoint/2010/main" Requires="p14">
+      <p:transition spd="med" p14:dur="700">
+        <p:fade/>
+      </p:transition>
+    </mc:Choice>
+    <mc:Fallback>
+      <p:transition spd="med">
+        <p:fade/>
+      </p:transition>
+    </mc:Fallback>
+  </mc:AlternateContent>
 </p:sld>
 </file>
 
@@ -39663,6 +39544,18 @@
   <p:clrMapOvr>
     <a:masterClrMapping/>
   </p:clrMapOvr>
+  <mc:AlternateContent xmlns:mc="http://schemas.openxmlformats.org/markup-compatibility/2006">
+    <mc:Choice xmlns:p14="http://schemas.microsoft.com/office/powerpoint/2010/main" Requires="p14">
+      <p:transition spd="med" p14:dur="700">
+        <p:fade/>
+      </p:transition>
+    </mc:Choice>
+    <mc:Fallback>
+      <p:transition spd="med">
+        <p:fade/>
+      </p:transition>
+    </mc:Fallback>
+  </mc:AlternateContent>
 </p:sld>
 </file>
 
@@ -43362,6 +43255,18 @@
   <p:clrMapOvr>
     <a:masterClrMapping/>
   </p:clrMapOvr>
+  <mc:AlternateContent xmlns:mc="http://schemas.openxmlformats.org/markup-compatibility/2006">
+    <mc:Choice xmlns:p14="http://schemas.microsoft.com/office/powerpoint/2010/main" Requires="p14">
+      <p:transition spd="med" p14:dur="700">
+        <p:fade/>
+      </p:transition>
+    </mc:Choice>
+    <mc:Fallback>
+      <p:transition spd="med">
+        <p:fade/>
+      </p:transition>
+    </mc:Fallback>
+  </mc:AlternateContent>
 </p:sld>
 </file>
 
@@ -43519,6 +43424,18 @@
   <p:clrMapOvr>
     <a:masterClrMapping/>
   </p:clrMapOvr>
+  <mc:AlternateContent xmlns:mc="http://schemas.openxmlformats.org/markup-compatibility/2006">
+    <mc:Choice xmlns:p14="http://schemas.microsoft.com/office/powerpoint/2010/main" Requires="p14">
+      <p:transition spd="med" p14:dur="700">
+        <p:fade/>
+      </p:transition>
+    </mc:Choice>
+    <mc:Fallback>
+      <p:transition spd="med">
+        <p:fade/>
+      </p:transition>
+    </mc:Fallback>
+  </mc:AlternateContent>
 </p:sld>
 </file>
 
@@ -43654,6 +43571,18 @@
   <p:clrMapOvr>
     <a:masterClrMapping/>
   </p:clrMapOvr>
+  <mc:AlternateContent xmlns:mc="http://schemas.openxmlformats.org/markup-compatibility/2006">
+    <mc:Choice xmlns:p14="http://schemas.microsoft.com/office/powerpoint/2010/main" Requires="p14">
+      <p:transition spd="med" p14:dur="700">
+        <p:fade/>
+      </p:transition>
+    </mc:Choice>
+    <mc:Fallback>
+      <p:transition spd="med">
+        <p:fade/>
+      </p:transition>
+    </mc:Fallback>
+  </mc:AlternateContent>
 </p:sld>
 </file>
 
@@ -43759,6 +43688,18 @@
   <p:clrMapOvr>
     <a:masterClrMapping/>
   </p:clrMapOvr>
+  <mc:AlternateContent xmlns:mc="http://schemas.openxmlformats.org/markup-compatibility/2006">
+    <mc:Choice xmlns:p14="http://schemas.microsoft.com/office/powerpoint/2010/main" Requires="p14">
+      <p:transition spd="med" p14:dur="700">
+        <p:fade/>
+      </p:transition>
+    </mc:Choice>
+    <mc:Fallback>
+      <p:transition spd="med">
+        <p:fade/>
+      </p:transition>
+    </mc:Fallback>
+  </mc:AlternateContent>
 </p:sld>
 </file>
 
